--- a/Max.pptx
+++ b/Max.pptx
@@ -5878,7 +5878,7 @@
         </p:nvSpPr>
         <p:spPr>
           <a:xfrm>
-            <a:off x="685801" y="-417094"/>
+            <a:off x="685801" y="-357786"/>
             <a:ext cx="10131425" cy="1456267"/>
           </a:xfrm>
         </p:spPr>

--- a/Max.pptx
+++ b/Max.pptx
@@ -6467,8 +6467,8 @@
         </p:nvSpPr>
         <p:spPr>
           <a:xfrm>
-            <a:off x="978568" y="1985585"/>
-            <a:ext cx="4283243" cy="923330"/>
+            <a:off x="978566" y="1776909"/>
+            <a:ext cx="4283243" cy="1200329"/>
           </a:xfrm>
           <a:prstGeom prst="rect">
             <a:avLst/>
@@ -6489,7 +6489,7 @@
           <a:p>
             <a:r>
               <a:rPr lang="en-GB" dirty="0"/>
-              <a:t>Identifying keywords in conversations to designate which resources may be useful</a:t>
+              <a:t>Identifying keywords in conversations to designate which categories of resources may be useful</a:t>
             </a:r>
           </a:p>
         </p:txBody>
